--- a/Powerpoint File/Kindergarten Project.pptx
+++ b/Powerpoint File/Kindergarten Project.pptx
@@ -278,7 +278,7 @@
           <a:p>
             <a:fld id="{9DB2F763-1FD0-429E-8D17-FD9F1E1CF012}" type="datetimeFigureOut">
               <a:rPr lang="en-US" smtClean="0"/>
-              <a:t>3/20/2021</a:t>
+              <a:t>3/21/2021</a:t>
             </a:fld>
             <a:endParaRPr lang="en-US"/>
           </a:p>
@@ -476,7 +476,7 @@
           <a:p>
             <a:fld id="{9DB2F763-1FD0-429E-8D17-FD9F1E1CF012}" type="datetimeFigureOut">
               <a:rPr lang="en-US" smtClean="0"/>
-              <a:t>3/20/2021</a:t>
+              <a:t>3/21/2021</a:t>
             </a:fld>
             <a:endParaRPr lang="en-US"/>
           </a:p>
@@ -684,7 +684,7 @@
           <a:p>
             <a:fld id="{9DB2F763-1FD0-429E-8D17-FD9F1E1CF012}" type="datetimeFigureOut">
               <a:rPr lang="en-US" smtClean="0"/>
-              <a:t>3/20/2021</a:t>
+              <a:t>3/21/2021</a:t>
             </a:fld>
             <a:endParaRPr lang="en-US"/>
           </a:p>
@@ -882,7 +882,7 @@
           <a:p>
             <a:fld id="{9DB2F763-1FD0-429E-8D17-FD9F1E1CF012}" type="datetimeFigureOut">
               <a:rPr lang="en-US" smtClean="0"/>
-              <a:t>3/20/2021</a:t>
+              <a:t>3/21/2021</a:t>
             </a:fld>
             <a:endParaRPr lang="en-US"/>
           </a:p>
@@ -1157,7 +1157,7 @@
           <a:p>
             <a:fld id="{9DB2F763-1FD0-429E-8D17-FD9F1E1CF012}" type="datetimeFigureOut">
               <a:rPr lang="en-US" smtClean="0"/>
-              <a:t>3/20/2021</a:t>
+              <a:t>3/21/2021</a:t>
             </a:fld>
             <a:endParaRPr lang="en-US"/>
           </a:p>
@@ -1422,7 +1422,7 @@
           <a:p>
             <a:fld id="{9DB2F763-1FD0-429E-8D17-FD9F1E1CF012}" type="datetimeFigureOut">
               <a:rPr lang="en-US" smtClean="0"/>
-              <a:t>3/20/2021</a:t>
+              <a:t>3/21/2021</a:t>
             </a:fld>
             <a:endParaRPr lang="en-US"/>
           </a:p>
@@ -1834,7 +1834,7 @@
           <a:p>
             <a:fld id="{9DB2F763-1FD0-429E-8D17-FD9F1E1CF012}" type="datetimeFigureOut">
               <a:rPr lang="en-US" smtClean="0"/>
-              <a:t>3/20/2021</a:t>
+              <a:t>3/21/2021</a:t>
             </a:fld>
             <a:endParaRPr lang="en-US"/>
           </a:p>
@@ -1975,7 +1975,7 @@
           <a:p>
             <a:fld id="{9DB2F763-1FD0-429E-8D17-FD9F1E1CF012}" type="datetimeFigureOut">
               <a:rPr lang="en-US" smtClean="0"/>
-              <a:t>3/20/2021</a:t>
+              <a:t>3/21/2021</a:t>
             </a:fld>
             <a:endParaRPr lang="en-US"/>
           </a:p>
@@ -2088,7 +2088,7 @@
           <a:p>
             <a:fld id="{9DB2F763-1FD0-429E-8D17-FD9F1E1CF012}" type="datetimeFigureOut">
               <a:rPr lang="en-US" smtClean="0"/>
-              <a:t>3/20/2021</a:t>
+              <a:t>3/21/2021</a:t>
             </a:fld>
             <a:endParaRPr lang="en-US"/>
           </a:p>
@@ -2399,7 +2399,7 @@
           <a:p>
             <a:fld id="{9DB2F763-1FD0-429E-8D17-FD9F1E1CF012}" type="datetimeFigureOut">
               <a:rPr lang="en-US" smtClean="0"/>
-              <a:t>3/20/2021</a:t>
+              <a:t>3/21/2021</a:t>
             </a:fld>
             <a:endParaRPr lang="en-US"/>
           </a:p>
@@ -2687,7 +2687,7 @@
           <a:p>
             <a:fld id="{9DB2F763-1FD0-429E-8D17-FD9F1E1CF012}" type="datetimeFigureOut">
               <a:rPr lang="en-US" smtClean="0"/>
-              <a:t>3/20/2021</a:t>
+              <a:t>3/21/2021</a:t>
             </a:fld>
             <a:endParaRPr lang="en-US"/>
           </a:p>
@@ -2928,7 +2928,7 @@
           <a:p>
             <a:fld id="{9DB2F763-1FD0-429E-8D17-FD9F1E1CF012}" type="datetimeFigureOut">
               <a:rPr lang="en-US" smtClean="0"/>
-              <a:t>3/20/2021</a:t>
+              <a:t>3/21/2021</a:t>
             </a:fld>
             <a:endParaRPr lang="en-US"/>
           </a:p>
@@ -3906,6 +3906,55 @@
           </a:prstGeom>
         </p:spPr>
       </p:pic>
+      <p:sp>
+        <p:nvSpPr>
+          <p:cNvPr id="2" name="Rectangle 1">
+            <a:extLst>
+              <a:ext uri="{FF2B5EF4-FFF2-40B4-BE49-F238E27FC236}">
+                <a16:creationId xmlns:a16="http://schemas.microsoft.com/office/drawing/2014/main" id="{4E81BDB2-7CB6-49AB-BD5A-3E1E7DBE9863}"/>
+              </a:ext>
+            </a:extLst>
+          </p:cNvPr>
+          <p:cNvSpPr/>
+          <p:nvPr/>
+        </p:nvSpPr>
+        <p:spPr>
+          <a:xfrm>
+            <a:off x="5436066" y="3204594"/>
+            <a:ext cx="5083728" cy="459012"/>
+          </a:xfrm>
+          <a:prstGeom prst="rect">
+            <a:avLst/>
+          </a:prstGeom>
+          <a:solidFill>
+            <a:schemeClr val="bg1"/>
+          </a:solidFill>
+        </p:spPr>
+        <p:style>
+          <a:lnRef idx="2">
+            <a:schemeClr val="accent1">
+              <a:shade val="50000"/>
+            </a:schemeClr>
+          </a:lnRef>
+          <a:fillRef idx="1">
+            <a:schemeClr val="accent1"/>
+          </a:fillRef>
+          <a:effectRef idx="0">
+            <a:schemeClr val="accent1"/>
+          </a:effectRef>
+          <a:fontRef idx="minor">
+            <a:schemeClr val="lt1"/>
+          </a:fontRef>
+        </p:style>
+        <p:txBody>
+          <a:bodyPr rtlCol="0" anchor="ctr"/>
+          <a:lstStyle/>
+          <a:p>
+            <a:pPr algn="ctr"/>
+            <a:endParaRPr lang="en-US"/>
+          </a:p>
+        </p:txBody>
+      </p:sp>
     </p:spTree>
     <p:extLst>
       <p:ext uri="{BB962C8B-B14F-4D97-AF65-F5344CB8AC3E}">
@@ -6000,6 +6049,55 @@
           </a:prstGeom>
         </p:spPr>
       </p:pic>
+      <p:sp>
+        <p:nvSpPr>
+          <p:cNvPr id="2" name="Rectangle 1">
+            <a:extLst>
+              <a:ext uri="{FF2B5EF4-FFF2-40B4-BE49-F238E27FC236}">
+                <a16:creationId xmlns:a16="http://schemas.microsoft.com/office/drawing/2014/main" id="{DBEDEA34-1CE5-4D55-90F2-2C987B75B056}"/>
+              </a:ext>
+            </a:extLst>
+          </p:cNvPr>
+          <p:cNvSpPr/>
+          <p:nvPr/>
+        </p:nvSpPr>
+        <p:spPr>
+          <a:xfrm>
+            <a:off x="7719454" y="3043900"/>
+            <a:ext cx="3615655" cy="629174"/>
+          </a:xfrm>
+          <a:prstGeom prst="rect">
+            <a:avLst/>
+          </a:prstGeom>
+          <a:solidFill>
+            <a:schemeClr val="bg1"/>
+          </a:solidFill>
+        </p:spPr>
+        <p:style>
+          <a:lnRef idx="2">
+            <a:schemeClr val="accent1">
+              <a:shade val="50000"/>
+            </a:schemeClr>
+          </a:lnRef>
+          <a:fillRef idx="1">
+            <a:schemeClr val="accent1"/>
+          </a:fillRef>
+          <a:effectRef idx="0">
+            <a:schemeClr val="accent1"/>
+          </a:effectRef>
+          <a:fontRef idx="minor">
+            <a:schemeClr val="lt1"/>
+          </a:fontRef>
+        </p:style>
+        <p:txBody>
+          <a:bodyPr rtlCol="0" anchor="ctr"/>
+          <a:lstStyle/>
+          <a:p>
+            <a:pPr algn="ctr"/>
+            <a:endParaRPr lang="en-US"/>
+          </a:p>
+        </p:txBody>
+      </p:sp>
     </p:spTree>
     <p:extLst>
       <p:ext uri="{BB962C8B-B14F-4D97-AF65-F5344CB8AC3E}">
@@ -10177,6 +10275,55 @@
           </a:prstGeom>
         </p:spPr>
       </p:pic>
+      <p:sp>
+        <p:nvSpPr>
+          <p:cNvPr id="2" name="Rectangle 1">
+            <a:extLst>
+              <a:ext uri="{FF2B5EF4-FFF2-40B4-BE49-F238E27FC236}">
+                <a16:creationId xmlns:a16="http://schemas.microsoft.com/office/drawing/2014/main" id="{C8FC2826-80A8-4E27-849D-80D4AB7F57EB}"/>
+              </a:ext>
+            </a:extLst>
+          </p:cNvPr>
+          <p:cNvSpPr/>
+          <p:nvPr/>
+        </p:nvSpPr>
+        <p:spPr>
+          <a:xfrm>
+            <a:off x="7340367" y="2969703"/>
+            <a:ext cx="4093827" cy="637563"/>
+          </a:xfrm>
+          <a:prstGeom prst="rect">
+            <a:avLst/>
+          </a:prstGeom>
+          <a:solidFill>
+            <a:schemeClr val="bg1"/>
+          </a:solidFill>
+        </p:spPr>
+        <p:style>
+          <a:lnRef idx="2">
+            <a:schemeClr val="accent1">
+              <a:shade val="50000"/>
+            </a:schemeClr>
+          </a:lnRef>
+          <a:fillRef idx="1">
+            <a:schemeClr val="accent1"/>
+          </a:fillRef>
+          <a:effectRef idx="0">
+            <a:schemeClr val="accent1"/>
+          </a:effectRef>
+          <a:fontRef idx="minor">
+            <a:schemeClr val="lt1"/>
+          </a:fontRef>
+        </p:style>
+        <p:txBody>
+          <a:bodyPr rtlCol="0" anchor="ctr"/>
+          <a:lstStyle/>
+          <a:p>
+            <a:pPr algn="ctr"/>
+            <a:endParaRPr lang="en-US"/>
+          </a:p>
+        </p:txBody>
+      </p:sp>
     </p:spTree>
     <p:extLst>
       <p:ext uri="{BB962C8B-B14F-4D97-AF65-F5344CB8AC3E}">
@@ -11233,6 +11380,55 @@
           </a:prstGeom>
         </p:spPr>
       </p:pic>
+      <p:sp>
+        <p:nvSpPr>
+          <p:cNvPr id="3" name="Rectangle 2">
+            <a:extLst>
+              <a:ext uri="{FF2B5EF4-FFF2-40B4-BE49-F238E27FC236}">
+                <a16:creationId xmlns:a16="http://schemas.microsoft.com/office/drawing/2014/main" id="{6D8D4822-1B10-4014-BFD4-8B74EC180FBA}"/>
+              </a:ext>
+            </a:extLst>
+          </p:cNvPr>
+          <p:cNvSpPr/>
+          <p:nvPr/>
+        </p:nvSpPr>
+        <p:spPr>
+          <a:xfrm>
+            <a:off x="7097086" y="2986481"/>
+            <a:ext cx="3931067" cy="763398"/>
+          </a:xfrm>
+          <a:prstGeom prst="rect">
+            <a:avLst/>
+          </a:prstGeom>
+          <a:solidFill>
+            <a:schemeClr val="bg1"/>
+          </a:solidFill>
+        </p:spPr>
+        <p:style>
+          <a:lnRef idx="2">
+            <a:schemeClr val="accent1">
+              <a:shade val="50000"/>
+            </a:schemeClr>
+          </a:lnRef>
+          <a:fillRef idx="1">
+            <a:schemeClr val="accent1"/>
+          </a:fillRef>
+          <a:effectRef idx="0">
+            <a:schemeClr val="accent1"/>
+          </a:effectRef>
+          <a:fontRef idx="minor">
+            <a:schemeClr val="lt1"/>
+          </a:fontRef>
+        </p:style>
+        <p:txBody>
+          <a:bodyPr rtlCol="0" anchor="ctr"/>
+          <a:lstStyle/>
+          <a:p>
+            <a:pPr algn="ctr"/>
+            <a:endParaRPr lang="en-US"/>
+          </a:p>
+        </p:txBody>
+      </p:sp>
     </p:spTree>
     <p:extLst>
       <p:ext uri="{BB962C8B-B14F-4D97-AF65-F5344CB8AC3E}">
@@ -24383,7 +24579,7 @@
         </p:blipFill>
         <p:spPr>
           <a:xfrm>
-            <a:off x="6096001" y="2316042"/>
+            <a:off x="5935115" y="2453059"/>
             <a:ext cx="5399994" cy="3378398"/>
           </a:xfrm>
           <a:prstGeom prst="rect">
@@ -25458,8 +25654,8 @@
         </p:blipFill>
         <p:spPr>
           <a:xfrm>
-            <a:off x="5124129" y="2044459"/>
-            <a:ext cx="6639425" cy="4168163"/>
+            <a:off x="5097841" y="2191109"/>
+            <a:ext cx="6237268" cy="3915693"/>
           </a:xfrm>
           <a:prstGeom prst="rect">
             <a:avLst/>
